--- a/04. Working-with-Data/ASP.NET MVC Working with Data.pptx
+++ b/04. Working-with-Data/ASP.NET MVC Working with Data.pptx
@@ -5,10 +5,10 @@
     <p:sldMasterId id="2147483672" r:id="rId1"/>
   </p:sldMasterIdLst>
   <p:notesMasterIdLst>
-    <p:notesMasterId r:id="rId46"/>
+    <p:notesMasterId r:id="rId45"/>
   </p:notesMasterIdLst>
   <p:handoutMasterIdLst>
-    <p:handoutMasterId r:id="rId47"/>
+    <p:handoutMasterId r:id="rId46"/>
   </p:handoutMasterIdLst>
   <p:sldIdLst>
     <p:sldId id="338" r:id="rId2"/>
@@ -53,13 +53,12 @@
     <p:sldId id="496" r:id="rId41"/>
     <p:sldId id="497" r:id="rId42"/>
     <p:sldId id="334" r:id="rId43"/>
-    <p:sldId id="464" r:id="rId44"/>
-    <p:sldId id="403" r:id="rId45"/>
+    <p:sldId id="403" r:id="rId44"/>
   </p:sldIdLst>
   <p:sldSz cx="9144000" cy="6858000" type="screen4x3"/>
   <p:notesSz cx="6881813" cy="9296400"/>
   <p:custDataLst>
-    <p:tags r:id="rId48"/>
+    <p:tags r:id="rId47"/>
   </p:custDataLst>
   <p:defaultTextStyle>
     <a:defPPr>
@@ -261,14 +260,13 @@
         <p14:section name="Summary, Questions, Homework" id="{052859EC-CAE7-45AF-B838-B3EBFE380EB4}">
           <p14:sldIdLst>
             <p14:sldId id="334"/>
-            <p14:sldId id="464"/>
             <p14:sldId id="403"/>
           </p14:sldIdLst>
         </p14:section>
       </p14:sectionLst>
     </p:ext>
     <p:ext uri="{EFAFB233-063F-42B5-8137-9DF3F51BA10A}">
-      <p15:sldGuideLst xmlns="" xmlns:p15="http://schemas.microsoft.com/office/powerpoint/2012/main">
+      <p15:sldGuideLst xmlns:p15="http://schemas.microsoft.com/office/powerpoint/2012/main">
         <p15:guide id="1" orient="horz" pos="2160">
           <p15:clr>
             <a:srgbClr val="A4A3A4"/>
@@ -282,7 +280,7 @@
       </p15:sldGuideLst>
     </p:ext>
     <p:ext uri="{2D200454-40CA-4A62-9FC3-DE9A4176ACB9}">
-      <p15:notesGuideLst xmlns="" xmlns:p15="http://schemas.microsoft.com/office/powerpoint/2012/main">
+      <p15:notesGuideLst xmlns:p15="http://schemas.microsoft.com/office/powerpoint/2012/main">
         <p15:guide id="1" orient="horz" pos="2928">
           <p15:clr>
             <a:srgbClr val="A4A3A4"/>
@@ -414,7 +412,7 @@
             <a:fld id="{3BF7C7B5-275F-4D1F-9AB4-9255447DBC73}" type="datetimeFigureOut">
               <a:rPr lang="en-US"/>
               <a:pPr/>
-              <a:t>11/5/2014</a:t>
+              <a:t>2/1/2016</a:t>
             </a:fld>
             <a:endParaRPr lang="en-US" dirty="0"/>
           </a:p>
@@ -645,7 +643,7 @@
             <a:fld id="{9B46F231-FB2B-4655-A644-E2477325E686}" type="datetimeFigureOut">
               <a:rPr lang="en-US"/>
               <a:pPr/>
-              <a:t>11/5/2014</a:t>
+              <a:t>2/1/2016</a:t>
             </a:fld>
             <a:endParaRPr lang="en-US" dirty="0"/>
           </a:p>
@@ -10301,7 +10299,6 @@
               <a:rPr lang="en-US" dirty="0" smtClean="0"/>
               <a:t>-&gt; for model</a:t>
             </a:r>
-            <a:endParaRPr lang="en-US" dirty="0" smtClean="0"/>
           </a:p>
           <a:p>
             <a:endParaRPr lang="en-US" dirty="0"/>
@@ -10605,7 +10602,6 @@
               <a:rPr lang="en-US" dirty="0" smtClean="0"/>
               <a:t>-&gt; for model</a:t>
             </a:r>
-            <a:endParaRPr lang="en-US" dirty="0" smtClean="0"/>
           </a:p>
           <a:p>
             <a:endParaRPr lang="en-US" dirty="0"/>
@@ -10795,11 +10791,7 @@
           <a:p>
             <a:r>
               <a:rPr lang="en-US" dirty="0" smtClean="0"/>
-              <a:t>Data </a:t>
-            </a:r>
-            <a:r>
-              <a:rPr lang="en-US" dirty="0" smtClean="0"/>
-              <a:t>Validation</a:t>
+              <a:t>Data Validation</a:t>
             </a:r>
           </a:p>
           <a:p>
@@ -13219,15 +13211,7 @@
                   <a:schemeClr val="bg1"/>
                 </a:solidFill>
               </a:rPr>
-              <a:t>jQuery validation library required for unobtrusive JavaScript </a:t>
-            </a:r>
-            <a:r>
-              <a:rPr lang="en-US" sz="1600" b="1" dirty="0" smtClean="0">
-                <a:solidFill>
-                  <a:schemeClr val="bg1"/>
-                </a:solidFill>
-              </a:rPr>
-              <a:t>validation</a:t>
+              <a:t>jQuery validation library required for unobtrusive JavaScript validation</a:t>
             </a:r>
           </a:p>
           <a:p>
@@ -13578,7 +13562,6 @@
               <a:rPr lang="en-US" dirty="0" smtClean="0"/>
               <a:t> too) will validate the object by your custom rules</a:t>
             </a:r>
-            <a:endParaRPr lang="en-US" dirty="0" smtClean="0"/>
           </a:p>
         </p:txBody>
       </p:sp>
@@ -14789,14 +14772,6 @@
                         </a:rPr>
                         <a:t>Tells the model binder which properties to include/exclude</a:t>
                       </a:r>
-                      <a:endParaRPr lang="en-US" sz="1800" b="0" i="0" u="none" strike="noStrike" kern="1200" baseline="0" dirty="0" smtClean="0">
-                        <a:solidFill>
-                          <a:schemeClr val="dk1"/>
-                        </a:solidFill>
-                        <a:latin typeface="+mn-lt"/>
-                        <a:ea typeface="+mn-ea"/>
-                        <a:cs typeface="+mn-cs"/>
-                      </a:endParaRPr>
                     </a:p>
                   </a:txBody>
                   <a:tcPr/>
@@ -18573,224 +18548,6 @@
 </file>
 
 <file path=ppt/slides/slide43.xml><?xml version="1.0" encoding="utf-8"?>
-<p:sld xmlns:a="http://schemas.openxmlformats.org/drawingml/2006/main" xmlns:r="http://schemas.openxmlformats.org/officeDocument/2006/relationships" xmlns:p="http://schemas.openxmlformats.org/presentationml/2006/main" show="0">
-  <p:cSld>
-    <p:spTree>
-      <p:nvGrpSpPr>
-        <p:cNvPr id="1" name=""/>
-        <p:cNvGrpSpPr/>
-        <p:nvPr/>
-      </p:nvGrpSpPr>
-      <p:grpSpPr>
-        <a:xfrm>
-          <a:off x="0" y="0"/>
-          <a:ext cx="0" cy="0"/>
-          <a:chOff x="0" y="0"/>
-          <a:chExt cx="0" cy="0"/>
-        </a:xfrm>
-      </p:grpSpPr>
-      <p:sp>
-        <p:nvSpPr>
-          <p:cNvPr id="4" name="Title 3"/>
-          <p:cNvSpPr>
-            <a:spLocks noGrp="1"/>
-          </p:cNvSpPr>
-          <p:nvPr>
-            <p:ph type="title"/>
-          </p:nvPr>
-        </p:nvSpPr>
-        <p:spPr/>
-        <p:txBody>
-          <a:bodyPr/>
-          <a:lstStyle/>
-          <a:p>
-            <a:r>
-              <a:rPr lang="en-US" dirty="0" smtClean="0"/>
-              <a:t>Homework</a:t>
-            </a:r>
-            <a:endParaRPr lang="en-US" dirty="0"/>
-          </a:p>
-        </p:txBody>
-      </p:sp>
-      <p:sp>
-        <p:nvSpPr>
-          <p:cNvPr id="5" name="Content Placeholder 4"/>
-          <p:cNvSpPr>
-            <a:spLocks noGrp="1"/>
-          </p:cNvSpPr>
-          <p:nvPr>
-            <p:ph idx="1"/>
-          </p:nvPr>
-        </p:nvSpPr>
-        <p:spPr>
-          <a:xfrm>
-            <a:off x="228600" y="740118"/>
-            <a:ext cx="8686800" cy="5965482"/>
-          </a:xfrm>
-        </p:spPr>
-        <p:txBody>
-          <a:bodyPr/>
-          <a:lstStyle/>
-          <a:p>
-            <a:pPr marL="514350" indent="-514350">
-              <a:spcBef>
-                <a:spcPts val="0"/>
-              </a:spcBef>
-              <a:spcAft>
-                <a:spcPts val="0"/>
-              </a:spcAft>
-              <a:buFont typeface="+mj-lt"/>
-              <a:buAutoNum type="arabicPeriod"/>
-            </a:pPr>
-            <a:r>
-              <a:rPr lang="en-US" dirty="0" smtClean="0"/>
-              <a:t>Create a simple ASP.NET MVC Twitter-like system using data validation, Entity Framework, repository pattern and unit of work pattern. Your system should:</a:t>
-            </a:r>
-          </a:p>
-          <a:p>
-            <a:pPr marL="862013" lvl="1" indent="-514350">
-              <a:spcBef>
-                <a:spcPts val="0"/>
-              </a:spcBef>
-              <a:spcAft>
-                <a:spcPts val="0"/>
-              </a:spcAft>
-            </a:pPr>
-            <a:r>
-              <a:rPr lang="en-US" dirty="0" smtClean="0"/>
-              <a:t>Have users and administrators</a:t>
-            </a:r>
-          </a:p>
-          <a:p>
-            <a:pPr marL="862013" lvl="1" indent="-514350">
-              <a:spcBef>
-                <a:spcPts val="0"/>
-              </a:spcBef>
-              <a:spcAft>
-                <a:spcPts val="0"/>
-              </a:spcAft>
-            </a:pPr>
-            <a:r>
-              <a:rPr lang="en-US" dirty="0" smtClean="0"/>
-              <a:t>List all tweets for specific user in his profile</a:t>
-            </a:r>
-          </a:p>
-          <a:p>
-            <a:pPr marL="862013" lvl="1" indent="-514350">
-              <a:spcBef>
-                <a:spcPts val="0"/>
-              </a:spcBef>
-              <a:spcAft>
-                <a:spcPts val="0"/>
-              </a:spcAft>
-            </a:pPr>
-            <a:r>
-              <a:rPr lang="en-US" dirty="0" smtClean="0"/>
-              <a:t>List all tweets containing specific tag (#fail) and use 15 minutes caching for each tag</a:t>
-            </a:r>
-          </a:p>
-          <a:p>
-            <a:pPr marL="862013" lvl="1" indent="-514350">
-              <a:spcBef>
-                <a:spcPts val="0"/>
-              </a:spcBef>
-              <a:spcAft>
-                <a:spcPts val="0"/>
-              </a:spcAft>
-            </a:pPr>
-            <a:r>
-              <a:rPr lang="en-US" dirty="0" smtClean="0"/>
-              <a:t>Have administration for the tweets using ASP.NET scaffolding (admins only)</a:t>
-            </a:r>
-          </a:p>
-          <a:p>
-            <a:pPr marL="862013" lvl="1" indent="-514350">
-              <a:spcBef>
-                <a:spcPts val="0"/>
-              </a:spcBef>
-              <a:spcAft>
-                <a:spcPts val="0"/>
-              </a:spcAft>
-            </a:pPr>
-            <a:r>
-              <a:rPr lang="en-US" dirty="0" smtClean="0"/>
-              <a:t>* Have Kendo UI Grid-based administration for tweets (with paging, sorting, filtering, </a:t>
-            </a:r>
-            <a:r>
-              <a:rPr lang="en-US" dirty="0" err="1" smtClean="0"/>
-              <a:t>etv</a:t>
-            </a:r>
-            <a:r>
-              <a:rPr lang="en-US" dirty="0" smtClean="0"/>
-              <a:t>.)</a:t>
-            </a:r>
-          </a:p>
-          <a:p>
-            <a:pPr marL="862013" lvl="1" indent="-514350">
-              <a:spcBef>
-                <a:spcPts val="0"/>
-              </a:spcBef>
-              <a:spcAft>
-                <a:spcPts val="0"/>
-              </a:spcAft>
-              <a:buFont typeface="+mj-lt"/>
-              <a:buAutoNum type="arabicPeriod"/>
-            </a:pPr>
-            <a:endParaRPr lang="en-US" dirty="0"/>
-          </a:p>
-        </p:txBody>
-      </p:sp>
-      <p:sp>
-        <p:nvSpPr>
-          <p:cNvPr id="2" name="Slide Number Placeholder 1"/>
-          <p:cNvSpPr>
-            <a:spLocks noGrp="1"/>
-          </p:cNvSpPr>
-          <p:nvPr>
-            <p:ph type="sldNum" sz="quarter" idx="10"/>
-          </p:nvPr>
-        </p:nvSpPr>
-        <p:spPr/>
-        <p:txBody>
-          <a:bodyPr/>
-          <a:lstStyle/>
-          <a:p>
-            <a:pPr>
-              <a:defRPr/>
-            </a:pPr>
-            <a:fld id="{58452FF4-89E3-4D1B-9927-2DBDC00E58D7}" type="slidenum">
-              <a:rPr lang="en-US" smtClean="0"/>
-              <a:pPr>
-                <a:defRPr/>
-              </a:pPr>
-              <a:t>43</a:t>
-            </a:fld>
-            <a:endParaRPr lang="en-US" dirty="0"/>
-          </a:p>
-        </p:txBody>
-      </p:sp>
-    </p:spTree>
-    <p:extLst>
-      <p:ext uri="{BB962C8B-B14F-4D97-AF65-F5344CB8AC3E}">
-        <p14:creationId xmlns:p14="http://schemas.microsoft.com/office/powerpoint/2010/main" val="1281562586"/>
-      </p:ext>
-    </p:extLst>
-  </p:cSld>
-  <p:clrMapOvr>
-    <a:masterClrMapping/>
-  </p:clrMapOvr>
-  <mc:AlternateContent xmlns:mc="http://schemas.openxmlformats.org/markup-compatibility/2006" xmlns:p14="http://schemas.microsoft.com/office/powerpoint/2010/main">
-    <mc:Choice Requires="p14">
-      <p:transition spd="slow" p14:dur="2000"/>
-    </mc:Choice>
-    <mc:Fallback xmlns="">
-      <p:transition spd="slow"/>
-    </mc:Fallback>
-  </mc:AlternateContent>
-</p:sld>
-</file>
-
-<file path=ppt/slides/slide44.xml><?xml version="1.0" encoding="utf-8"?>
 <p:sld xmlns:a="http://schemas.openxmlformats.org/drawingml/2006/main" xmlns:r="http://schemas.openxmlformats.org/officeDocument/2006/relationships" xmlns:p="http://schemas.openxmlformats.org/presentationml/2006/main">
   <p:cSld>
     <p:spTree>
@@ -19253,7 +19010,7 @@
               <a:pPr>
                 <a:defRPr/>
               </a:pPr>
-              <a:t>44</a:t>
+              <a:t>43</a:t>
             </a:fld>
             <a:endParaRPr lang="en-US" dirty="0"/>
           </a:p>
@@ -19346,15 +19103,7 @@
           <a:p>
             <a:r>
               <a:rPr lang="en-US" dirty="0" smtClean="0"/>
-              <a:t>Create </a:t>
-            </a:r>
-            <a:r>
-              <a:rPr lang="en-US" dirty="0" smtClean="0"/>
-              <a:t>CRUD pages </a:t>
-            </a:r>
-            <a:r>
-              <a:rPr lang="en-US" dirty="0" smtClean="0"/>
-              <a:t>with read/write actions, using Entity Framework</a:t>
+              <a:t>Create CRUD pages with read/write actions, using Entity Framework</a:t>
             </a:r>
             <a:endParaRPr lang="en-US" dirty="0"/>
           </a:p>
